--- a/agile moves/Ideas (IDE)/ger/apprentice/ger_IDE_02_Ich_hab_ne_Idee_AM_A.pptx
+++ b/agile moves/Ideas (IDE)/ger/apprentice/ger_IDE_02_Ich_hab_ne_Idee_AM_A.pptx
@@ -755,7 +755,7 @@
           <a:p>
             <a:fld id="{FF5B2BAF-DF38-0A48-A798-0C06E514FD52}" type="datetimeFigureOut">
               <a:rPr lang="de-DE" smtClean="0"/>
-              <a:t>08.08.15</a:t>
+              <a:t>09.08.15</a:t>
             </a:fld>
             <a:endParaRPr lang="de-DE" dirty="0"/>
           </a:p>
@@ -978,7 +978,7 @@
           <a:p>
             <a:fld id="{FF5B2BAF-DF38-0A48-A798-0C06E514FD52}" type="datetimeFigureOut">
               <a:rPr lang="de-DE" smtClean="0"/>
-              <a:t>08.08.15</a:t>
+              <a:t>09.08.15</a:t>
             </a:fld>
             <a:endParaRPr lang="de-DE" dirty="0"/>
           </a:p>
@@ -1698,81 +1698,190 @@
             <p:ph idx="13"/>
           </p:nvPr>
         </p:nvSpPr>
-        <p:spPr/>
+        <p:spPr>
+          <a:xfrm>
+            <a:off x="858838" y="1568452"/>
+            <a:ext cx="6166218" cy="3133835"/>
+          </a:xfrm>
+          <a:noFill/>
+        </p:spPr>
         <p:txBody>
-          <a:bodyPr>
-            <a:noAutofit/>
+          <a:bodyPr vert="horz" lIns="80678" tIns="40339" rIns="80678" bIns="40339" rtlCol="0">
+            <a:normAutofit lnSpcReduction="10000"/>
           </a:bodyPr>
           <a:lstStyle/>
           <a:p>
             <a:pPr>
-              <a:lnSpc>
-                <a:spcPts val="1800"/>
-              </a:lnSpc>
               <a:spcBef>
                 <a:spcPts val="600"/>
               </a:spcBef>
             </a:pPr>
             <a:r>
-              <a:rPr lang="de-DE" sz="1100" dirty="0"/>
-              <a:t>Viele Ideen, die uns am Tag kommen, sind nur einen kleinen Augenblick präsent und geraten dann wieder ins Vergessen oder werden bewusst verdrängt.</a:t>
+              <a:rPr lang="de-DE" dirty="0" smtClean="0"/>
+              <a:t>Viele </a:t>
+            </a:r>
+            <a:r>
+              <a:rPr lang="de-DE" dirty="0"/>
+              <a:t>Ideen, die uns am Tag kommen, sind nur einen kleinen Augenblick präsent und geraten dann wieder ins Vergessen oder werden bewusst verdrängt</a:t>
+            </a:r>
+            <a:r>
+              <a:rPr lang="de-DE" dirty="0" smtClean="0"/>
+              <a:t>.</a:t>
             </a:r>
           </a:p>
           <a:p>
             <a:pPr>
-              <a:lnSpc>
-                <a:spcPts val="1800"/>
-              </a:lnSpc>
               <a:spcBef>
                 <a:spcPts val="600"/>
               </a:spcBef>
             </a:pPr>
             <a:r>
-              <a:rPr lang="de-DE" sz="1100" dirty="0"/>
-              <a:t>Oft zensiert unser eigener innerer Kritiker gnadenlos, bevor unsere Idee auch nur den Hauch einer Chance hatte, ans Tageslicht zu gelangen, zu gedeihen und zu wachsen.</a:t>
+              <a:rPr lang="de-DE" dirty="0" smtClean="0"/>
+              <a:t>Oft </a:t>
+            </a:r>
+            <a:r>
+              <a:rPr lang="de-DE" dirty="0"/>
+              <a:t>zensieren wir uns selbst, bevor unsere Idee auch nur den Hauch einer Chance hatte, ans Tageslicht zu gelangen, zu gedeihen und zu wachsen</a:t>
+            </a:r>
+            <a:r>
+              <a:rPr lang="de-DE" dirty="0" smtClean="0"/>
+              <a:t>.</a:t>
             </a:r>
           </a:p>
           <a:p>
             <a:pPr>
-              <a:lnSpc>
-                <a:spcPts val="1800"/>
-              </a:lnSpc>
               <a:spcBef>
                 <a:spcPts val="600"/>
               </a:spcBef>
             </a:pPr>
             <a:r>
-              <a:rPr lang="de-DE" sz="1100" dirty="0"/>
-              <a:t>Zurück bleibt das schale Gefühl, wenig Ideen zu haben und/oder dafür keine Wertschätzung zu erfahren, nicht einmal von sich selbst.</a:t>
+              <a:rPr lang="de-DE" dirty="0" smtClean="0"/>
+              <a:t>Selbst </a:t>
+            </a:r>
+            <a:r>
+              <a:rPr lang="de-DE" dirty="0"/>
+              <a:t>wenn ich Ideen habe, gibt es </a:t>
+            </a:r>
+            <a:r>
+              <a:rPr lang="de-DE" dirty="0" err="1"/>
+              <a:t>of</a:t>
+            </a:r>
+            <a:r>
+              <a:rPr lang="de-DE" dirty="0"/>
+              <a:t> Situationen, in denen diese Ideen keinen Raum finden. Zum Beispiel, wenn sie in einem hierarchischen Arbeitsumfeld an meinen Vorgesetzten scheitern</a:t>
+            </a:r>
+            <a:r>
+              <a:rPr lang="de-DE" dirty="0" smtClean="0"/>
+              <a:t>.</a:t>
             </a:r>
           </a:p>
           <a:p>
             <a:pPr>
-              <a:lnSpc>
-                <a:spcPts val="1800"/>
-              </a:lnSpc>
               <a:spcBef>
                 <a:spcPts val="600"/>
               </a:spcBef>
             </a:pPr>
             <a:r>
-              <a:rPr lang="de-DE" sz="1100" dirty="0"/>
-              <a:t>Ideen sind eine Quelle, die jeder Mensch zur Verfügung hat und die man freilegen kann, wenn man sich seiner eigenen Ideen bewusst wird.</a:t>
+              <a:rPr lang="de-DE" dirty="0" smtClean="0"/>
+              <a:t>Zurück </a:t>
+            </a:r>
+            <a:r>
+              <a:rPr lang="de-DE" dirty="0"/>
+              <a:t>bleibt das schale Gefühl, keine guten Ideen zu haben und/oder dafür keine Wertschätzung zu erfahren, teilweise nicht einmal von sich </a:t>
+            </a:r>
+            <a:r>
+              <a:rPr lang="de-DE" dirty="0" smtClean="0"/>
+              <a:t>selbst.</a:t>
             </a:r>
           </a:p>
           <a:p>
             <a:pPr>
-              <a:lnSpc>
-                <a:spcPts val="1800"/>
-              </a:lnSpc>
               <a:spcBef>
                 <a:spcPts val="600"/>
               </a:spcBef>
             </a:pPr>
             <a:r>
-              <a:rPr lang="de-DE" sz="1100" dirty="0"/>
-              <a:t>Dazu ist es notwendig, den eigenen Ideenfluss in Gang zu bringen und zunächst eine Zeit lang einfach alle Ideen unzensiert aufzuschreiben, die einem in den Sinn kommen - egal wie groß, klein, vielversprechend, unbedeutend, realisierbar oder unsinnig sie sein mögen.</a:t>
-            </a:r>
+              <a:rPr lang="de-DE" dirty="0" smtClean="0"/>
+              <a:t>Ideen </a:t>
+            </a:r>
+            <a:r>
+              <a:rPr lang="de-DE" dirty="0"/>
+              <a:t>sind eine Quelle, die jeder Mensch zur Verfügung hat und die man freilegen kann, wenn man sich seiner eigenen Ideen bewusst wird und beginnt, dafür eine Wertschätzung aufzubauen</a:t>
+            </a:r>
+            <a:r>
+              <a:rPr lang="de-DE" dirty="0" smtClean="0"/>
+              <a:t>.</a:t>
+            </a:r>
+          </a:p>
+          <a:p>
+            <a:pPr>
+              <a:spcBef>
+                <a:spcPts val="600"/>
+              </a:spcBef>
+            </a:pPr>
+            <a:r>
+              <a:rPr lang="de-DE" dirty="0" smtClean="0"/>
+              <a:t>Dazu </a:t>
+            </a:r>
+            <a:r>
+              <a:rPr lang="de-DE" dirty="0"/>
+              <a:t>ist es notwendig, den eigenen Ideenfluss in Gang zu bringen und zunächst eine Zeit lang einfach alle Ideen unzensiert aufzuschreiben, die einem in den Sinn kommen - egal wie groß, klein, vielversprechend, unbedeutend, realisierbar oder unsinnig sie sein mögen</a:t>
+            </a:r>
+            <a:r>
+              <a:rPr lang="de-DE" dirty="0" smtClean="0"/>
+              <a:t>.</a:t>
+            </a:r>
+          </a:p>
+          <a:p>
+            <a:pPr>
+              <a:spcBef>
+                <a:spcPts val="600"/>
+              </a:spcBef>
+            </a:pPr>
+            <a:r>
+              <a:rPr lang="de-DE" dirty="0" smtClean="0"/>
+              <a:t>Damit </a:t>
+            </a:r>
+            <a:r>
+              <a:rPr lang="de-DE" dirty="0"/>
+              <a:t>Du einen Überblick über Deine Ideen hast, solltest Du alle Ideen - egal wie und wo Du sie gesammelt hast - an einer zentralen Stelle </a:t>
+            </a:r>
+            <a:r>
+              <a:rPr lang="de-DE" dirty="0" smtClean="0"/>
+              <a:t>zusammenführen.</a:t>
+            </a:r>
+          </a:p>
+          <a:p>
+            <a:pPr>
+              <a:spcBef>
+                <a:spcPts val="600"/>
+              </a:spcBef>
+            </a:pPr>
+            <a:r>
+              <a:rPr lang="de-DE" dirty="0" smtClean="0"/>
+              <a:t>Das </a:t>
+            </a:r>
+            <a:r>
+              <a:rPr lang="de-DE" dirty="0"/>
+              <a:t>kann eine Wand mit Post-</a:t>
+            </a:r>
+            <a:r>
+              <a:rPr lang="de-DE" dirty="0" err="1"/>
+              <a:t>Its</a:t>
+            </a:r>
+            <a:r>
+              <a:rPr lang="de-DE" dirty="0"/>
+              <a:t> oder ein Dokument (z.B</a:t>
+            </a:r>
+            <a:r>
+              <a:rPr lang="de-DE" dirty="0" smtClean="0"/>
+              <a:t>. ein </a:t>
+            </a:r>
+            <a:r>
+              <a:rPr lang="de-DE" dirty="0"/>
+              <a:t>Ideenbuch) sein. Analoge Medien sind in diesem Fall besser als digitale, weil die Ideen dadurch einen physischen Platz in deiner Welt bekommen.</a:t>
+            </a:r>
+            <a:endParaRPr lang="de-DE" dirty="0"/>
           </a:p>
         </p:txBody>
       </p:sp>
@@ -1816,43 +1925,66 @@
             <p:ph idx="1"/>
           </p:nvPr>
         </p:nvSpPr>
-        <p:spPr/>
+        <p:spPr>
+          <a:xfrm>
+            <a:off x="858838" y="1555750"/>
+            <a:ext cx="6174156" cy="3133835"/>
+          </a:xfrm>
+        </p:spPr>
         <p:txBody>
-          <a:bodyPr/>
+          <a:bodyPr>
+            <a:noAutofit/>
+          </a:bodyPr>
           <a:lstStyle/>
           <a:p>
-            <a:r>
-              <a:rPr lang="de-DE" dirty="0">
+            <a:pPr>
+              <a:lnSpc>
+                <a:spcPct val="100000"/>
+              </a:lnSpc>
+              <a:spcBef>
+                <a:spcPts val="800"/>
+              </a:spcBef>
+            </a:pPr>
+            <a:r>
+              <a:rPr lang="de-DE" dirty="0" smtClean="0">
                 <a:solidFill>
                   <a:srgbClr val="747982"/>
                 </a:solidFill>
                 <a:latin typeface="Avenir Book"/>
                 <a:cs typeface="Avenir Book"/>
               </a:rPr>
-              <a:t>Schreibe innerhalb von zwei Wochen </a:t>
-            </a:r>
-            <a:r>
-              <a:rPr lang="de-DE" dirty="0" smtClean="0">
+              <a:t>Schreibe </a:t>
+            </a:r>
+            <a:r>
+              <a:rPr lang="de-DE" dirty="0">
                 <a:solidFill>
                   <a:srgbClr val="747982"/>
                 </a:solidFill>
                 <a:latin typeface="Avenir Book"/>
                 <a:cs typeface="Avenir Book"/>
               </a:rPr>
-              <a:t>mindestens 12 Ideen auf, die Du hast.</a:t>
-            </a:r>
-          </a:p>
-          <a:p>
-            <a:r>
-              <a:rPr lang="de-DE" dirty="0" smtClean="0">
+              <a:t>innerhalb von zwei Wochen mindestens 12 Ideen auf. </a:t>
+            </a:r>
+            <a:r>
+              <a:rPr lang="de-DE" dirty="0">
                 <a:solidFill>
                   <a:srgbClr val="747982"/>
                 </a:solidFill>
                 <a:latin typeface="Avenir Book"/>
                 <a:cs typeface="Avenir Book"/>
               </a:rPr>
-              <a:t>Es ist egal, welche </a:t>
-            </a:r>
+              <a:t>Was genau eine Idee ausmacht, entscheidest Du selbst.</a:t>
+            </a:r>
+          </a:p>
+          <a:p>
+            <a:pPr>
+              <a:lnSpc>
+                <a:spcPct val="100000"/>
+              </a:lnSpc>
+              <a:spcBef>
+                <a:spcPts val="800"/>
+              </a:spcBef>
+            </a:pPr>
             <a:r>
               <a:rPr lang="de-DE" dirty="0">
                 <a:solidFill>
@@ -1861,65 +1993,246 @@
                 <a:latin typeface="Avenir Book"/>
                 <a:cs typeface="Avenir Book"/>
               </a:rPr>
-              <a:t>I</a:t>
-            </a:r>
-            <a:r>
-              <a:rPr lang="de-DE" dirty="0" smtClean="0">
+              <a:t>Es ist egal, welche Ideen das sind, wie groß oder klein sie sind und zu welchem Lebensbereich sie gehören.</a:t>
+            </a:r>
+          </a:p>
+          <a:p>
+            <a:pPr>
+              <a:lnSpc>
+                <a:spcPct val="100000"/>
+              </a:lnSpc>
+              <a:spcBef>
+                <a:spcPts val="800"/>
+              </a:spcBef>
+            </a:pPr>
+            <a:r>
+              <a:rPr lang="de-DE" dirty="0">
                 <a:solidFill>
                   <a:srgbClr val="747982"/>
                 </a:solidFill>
                 <a:latin typeface="Avenir Book"/>
                 <a:cs typeface="Avenir Book"/>
               </a:rPr>
-              <a:t>deen das sind, wie groß oder klein sie sind und zu welchem Lebensbereich sie gehören.</a:t>
-            </a:r>
-          </a:p>
-          <a:p>
-            <a:r>
-              <a:rPr lang="de-DE" dirty="0" smtClean="0">
+              <a:t>Versuche, Deine Ideen nicht zu bewerten oder zu zensieren, sondern sie einfach fließen zu lassen. Je mehr Ideen Du aufschreibst, desto besser.</a:t>
+            </a:r>
+          </a:p>
+          <a:p>
+            <a:pPr>
+              <a:lnSpc>
+                <a:spcPct val="100000"/>
+              </a:lnSpc>
+              <a:spcBef>
+                <a:spcPts val="800"/>
+              </a:spcBef>
+            </a:pPr>
+            <a:r>
+              <a:rPr lang="de-DE" dirty="0">
                 <a:solidFill>
                   <a:srgbClr val="747982"/>
                 </a:solidFill>
                 <a:latin typeface="Avenir Book"/>
                 <a:cs typeface="Avenir Book"/>
               </a:rPr>
-              <a:t>Versuche, Deine Ideen nicht zu bewerten oder zu zensieren, sondern sie einfach fließen zu lassen. Je mehr Ideen Du aufschreibst, desto besser.</a:t>
-            </a:r>
-          </a:p>
-          <a:p>
-            <a:r>
-              <a:rPr lang="de-DE" dirty="0" smtClean="0">
+              <a:t>Du kannst sie auf Zettel schreiben, in ein Ideenbuch, in einen Blog oder wo immer Du sie auch notieren möchtest.</a:t>
+            </a:r>
+          </a:p>
+          <a:p>
+            <a:pPr>
+              <a:lnSpc>
+                <a:spcPct val="100000"/>
+              </a:lnSpc>
+              <a:spcBef>
+                <a:spcPts val="800"/>
+              </a:spcBef>
+            </a:pPr>
+            <a:r>
+              <a:rPr lang="de-DE" dirty="0">
                 <a:solidFill>
                   <a:srgbClr val="747982"/>
                 </a:solidFill>
                 <a:latin typeface="Avenir Book"/>
                 <a:cs typeface="Avenir Book"/>
               </a:rPr>
-              <a:t>Du kannst sie auf Zettel schreiben, in ein Ideenbuch, in einen Blog oder wo immer Du sie auch notieren möchtest.</a:t>
-            </a:r>
-          </a:p>
-          <a:p>
-            <a:r>
-              <a:rPr lang="de-DE" dirty="0" smtClean="0">
+              <a:t>Es ist empfehlenswert, alle Ideen an einem zentralen Ort zusammenzuführen. Analoge Medien wie ein Ideenbuch oder eine Wand mit Post-</a:t>
+            </a:r>
+            <a:r>
+              <a:rPr lang="de-DE" dirty="0" err="1">
                 <a:solidFill>
                   <a:srgbClr val="747982"/>
                 </a:solidFill>
                 <a:latin typeface="Avenir Book"/>
                 <a:cs typeface="Avenir Book"/>
               </a:rPr>
-              <a:t>Besprich diese Ideen mit Deinen Trainingspartnern oder Deinem Team.</a:t>
-            </a:r>
-          </a:p>
-          <a:p>
-            <a:r>
-              <a:rPr lang="de-DE" dirty="0" smtClean="0">
+              <a:t>Its</a:t>
+            </a:r>
+            <a:r>
+              <a:rPr lang="de-DE" dirty="0">
                 <a:solidFill>
                   <a:srgbClr val="747982"/>
                 </a:solidFill>
                 <a:latin typeface="Avenir Book"/>
                 <a:cs typeface="Avenir Book"/>
               </a:rPr>
-              <a:t>Es geht nicht darum, die Ideen zu bewerten, sondern nur, die anderen dabei mitzunehmen und Dich vielleicht von ihren Fragen oder Perspektiven inspirieren zu lassen.</a:t>
+              <a:t> eigenen sich dafür besser als digitale.</a:t>
+            </a:r>
+          </a:p>
+          <a:p>
+            <a:pPr>
+              <a:lnSpc>
+                <a:spcPct val="100000"/>
+              </a:lnSpc>
+              <a:spcBef>
+                <a:spcPts val="800"/>
+              </a:spcBef>
+            </a:pPr>
+            <a:r>
+              <a:rPr lang="de-DE" dirty="0">
+                <a:solidFill>
+                  <a:srgbClr val="747982"/>
+                </a:solidFill>
+                <a:latin typeface="Avenir Book"/>
+                <a:cs typeface="Avenir Book"/>
+              </a:rPr>
+              <a:t>Zeige diese Ideen Deinen Trainingspartnern oder Deinem Team.</a:t>
+            </a:r>
+          </a:p>
+          <a:p>
+            <a:pPr>
+              <a:lnSpc>
+                <a:spcPct val="100000"/>
+              </a:lnSpc>
+              <a:spcBef>
+                <a:spcPts val="800"/>
+              </a:spcBef>
+            </a:pPr>
+            <a:r>
+              <a:rPr lang="de-DE" dirty="0">
+                <a:solidFill>
+                  <a:srgbClr val="747982"/>
+                </a:solidFill>
+                <a:latin typeface="Avenir Book"/>
+                <a:cs typeface="Avenir Book"/>
+              </a:rPr>
+              <a:t>Es geht nicht darum, die Ideen zu bewerten, sondern nur, die anderen dabei mitzunehmen und Dich gegebenenfalls von ihren Fragen oder Perspektiven inspirieren zu lassen.</a:t>
+            </a:r>
+          </a:p>
+          <a:p>
+            <a:pPr>
+              <a:lnSpc>
+                <a:spcPct val="100000"/>
+              </a:lnSpc>
+              <a:spcBef>
+                <a:spcPts val="800"/>
+              </a:spcBef>
+            </a:pPr>
+            <a:r>
+              <a:rPr lang="de-DE" dirty="0">
+                <a:solidFill>
+                  <a:srgbClr val="747982"/>
+                </a:solidFill>
+                <a:latin typeface="Avenir Book"/>
+                <a:cs typeface="Avenir Book"/>
+              </a:rPr>
+              <a:t>Die </a:t>
+            </a:r>
+            <a:r>
+              <a:rPr lang="de-DE" dirty="0" err="1">
+                <a:solidFill>
+                  <a:srgbClr val="747982"/>
+                </a:solidFill>
+                <a:latin typeface="Avenir Book"/>
+                <a:cs typeface="Avenir Book"/>
+              </a:rPr>
+              <a:t>Apprentice</a:t>
+            </a:r>
+            <a:r>
+              <a:rPr lang="de-DE" dirty="0">
+                <a:solidFill>
+                  <a:srgbClr val="747982"/>
+                </a:solidFill>
+                <a:latin typeface="Avenir Book"/>
+                <a:cs typeface="Avenir Book"/>
+              </a:rPr>
+              <a:t>-Zertifizierung ist erreicht, wenn Du in zwei Wochen mindestens </a:t>
+            </a:r>
+            <a:r>
+              <a:rPr lang="de-DE" dirty="0" smtClean="0">
+                <a:solidFill>
+                  <a:srgbClr val="747982"/>
+                </a:solidFill>
+                <a:latin typeface="Avenir Book"/>
+                <a:cs typeface="Avenir Book"/>
+              </a:rPr>
+              <a:t/>
+            </a:r>
+            <a:br>
+              <a:rPr lang="de-DE" dirty="0" smtClean="0">
+                <a:solidFill>
+                  <a:srgbClr val="747982"/>
+                </a:solidFill>
+                <a:latin typeface="Avenir Book"/>
+                <a:cs typeface="Avenir Book"/>
+              </a:rPr>
+            </a:br>
+            <a:r>
+              <a:rPr lang="de-DE" dirty="0" smtClean="0">
+                <a:solidFill>
+                  <a:srgbClr val="747982"/>
+                </a:solidFill>
+                <a:latin typeface="Avenir Book"/>
+                <a:cs typeface="Avenir Book"/>
+              </a:rPr>
+              <a:t>12 </a:t>
+            </a:r>
+            <a:r>
+              <a:rPr lang="de-DE" dirty="0">
+                <a:solidFill>
+                  <a:srgbClr val="747982"/>
+                </a:solidFill>
+                <a:latin typeface="Avenir Book"/>
+                <a:cs typeface="Avenir Book"/>
+              </a:rPr>
+              <a:t>Ideen </a:t>
+            </a:r>
+            <a:r>
+              <a:rPr lang="de-DE" dirty="0" smtClean="0">
+                <a:solidFill>
+                  <a:srgbClr val="747982"/>
+                </a:solidFill>
+                <a:latin typeface="Avenir Book"/>
+                <a:cs typeface="Avenir Book"/>
+              </a:rPr>
+              <a:t>Deinen </a:t>
+            </a:r>
+            <a:r>
+              <a:rPr lang="de-DE" dirty="0">
+                <a:solidFill>
+                  <a:srgbClr val="747982"/>
+                </a:solidFill>
+                <a:latin typeface="Avenir Book"/>
+                <a:cs typeface="Avenir Book"/>
+              </a:rPr>
+              <a:t>zwei </a:t>
+            </a:r>
+            <a:r>
+              <a:rPr lang="de-DE" dirty="0" err="1">
+                <a:solidFill>
+                  <a:srgbClr val="747982"/>
+                </a:solidFill>
+                <a:latin typeface="Avenir Book"/>
+                <a:cs typeface="Avenir Book"/>
+              </a:rPr>
+              <a:t>Reviewern</a:t>
+            </a:r>
+            <a:r>
+              <a:rPr lang="de-DE" dirty="0">
+                <a:solidFill>
+                  <a:srgbClr val="747982"/>
+                </a:solidFill>
+                <a:latin typeface="Avenir Book"/>
+                <a:cs typeface="Avenir Book"/>
+              </a:rPr>
+              <a:t> oder Deinem Team gezeigt hast.</a:t>
             </a:r>
           </a:p>
         </p:txBody>

--- a/agile moves/Ideas (IDE)/ger/apprentice/ger_IDE_02_Ich_hab_ne_Idee_AM_A.pptx
+++ b/agile moves/Ideas (IDE)/ger/apprentice/ger_IDE_02_Ich_hab_ne_Idee_AM_A.pptx
@@ -1701,7 +1701,7 @@
         <p:spPr>
           <a:xfrm>
             <a:off x="858838" y="1568452"/>
-            <a:ext cx="6166218" cy="3133835"/>
+            <a:ext cx="6166218" cy="3376426"/>
           </a:xfrm>
           <a:noFill/>
         </p:spPr>
@@ -1712,176 +1712,373 @@
           <a:lstStyle/>
           <a:p>
             <a:pPr>
+              <a:lnSpc>
+                <a:spcPct val="110000"/>
+              </a:lnSpc>
               <a:spcBef>
                 <a:spcPts val="600"/>
               </a:spcBef>
             </a:pPr>
             <a:r>
-              <a:rPr lang="de-DE" dirty="0" smtClean="0"/>
+              <a:rPr lang="de-DE" dirty="0">
+                <a:solidFill>
+                  <a:srgbClr val="747982"/>
+                </a:solidFill>
+                <a:latin typeface="Avenir Book"/>
+                <a:cs typeface="Avenir Book"/>
+              </a:rPr>
               <a:t>Viele </a:t>
             </a:r>
             <a:r>
-              <a:rPr lang="de-DE" dirty="0"/>
+              <a:rPr lang="de-DE" dirty="0">
+                <a:solidFill>
+                  <a:srgbClr val="747982"/>
+                </a:solidFill>
+                <a:latin typeface="Avenir Book"/>
+                <a:cs typeface="Avenir Book"/>
+              </a:rPr>
               <a:t>Ideen, die uns am Tag kommen, sind nur einen kleinen Augenblick präsent und geraten dann wieder ins Vergessen oder werden bewusst verdrängt</a:t>
             </a:r>
             <a:r>
-              <a:rPr lang="de-DE" dirty="0" smtClean="0"/>
+              <a:rPr lang="de-DE" dirty="0">
+                <a:solidFill>
+                  <a:srgbClr val="747982"/>
+                </a:solidFill>
+                <a:latin typeface="Avenir Book"/>
+                <a:cs typeface="Avenir Book"/>
+              </a:rPr>
               <a:t>.</a:t>
             </a:r>
           </a:p>
           <a:p>
             <a:pPr>
+              <a:lnSpc>
+                <a:spcPct val="110000"/>
+              </a:lnSpc>
               <a:spcBef>
                 <a:spcPts val="600"/>
               </a:spcBef>
             </a:pPr>
             <a:r>
-              <a:rPr lang="de-DE" dirty="0" smtClean="0"/>
+              <a:rPr lang="de-DE" dirty="0">
+                <a:solidFill>
+                  <a:srgbClr val="747982"/>
+                </a:solidFill>
+                <a:latin typeface="Avenir Book"/>
+                <a:cs typeface="Avenir Book"/>
+              </a:rPr>
               <a:t>Oft </a:t>
             </a:r>
             <a:r>
-              <a:rPr lang="de-DE" dirty="0"/>
+              <a:rPr lang="de-DE" dirty="0">
+                <a:solidFill>
+                  <a:srgbClr val="747982"/>
+                </a:solidFill>
+                <a:latin typeface="Avenir Book"/>
+                <a:cs typeface="Avenir Book"/>
+              </a:rPr>
               <a:t>zensieren wir uns selbst, bevor unsere Idee auch nur den Hauch einer Chance hatte, ans Tageslicht zu gelangen, zu gedeihen und zu wachsen</a:t>
             </a:r>
             <a:r>
-              <a:rPr lang="de-DE" dirty="0" smtClean="0"/>
+              <a:rPr lang="de-DE" dirty="0">
+                <a:solidFill>
+                  <a:srgbClr val="747982"/>
+                </a:solidFill>
+                <a:latin typeface="Avenir Book"/>
+                <a:cs typeface="Avenir Book"/>
+              </a:rPr>
               <a:t>.</a:t>
             </a:r>
           </a:p>
           <a:p>
             <a:pPr>
+              <a:lnSpc>
+                <a:spcPct val="110000"/>
+              </a:lnSpc>
               <a:spcBef>
                 <a:spcPts val="600"/>
               </a:spcBef>
             </a:pPr>
             <a:r>
-              <a:rPr lang="de-DE" dirty="0" smtClean="0"/>
+              <a:rPr lang="de-DE" dirty="0">
+                <a:solidFill>
+                  <a:srgbClr val="747982"/>
+                </a:solidFill>
+                <a:latin typeface="Avenir Book"/>
+                <a:cs typeface="Avenir Book"/>
+              </a:rPr>
               <a:t>Selbst </a:t>
             </a:r>
             <a:r>
-              <a:rPr lang="de-DE" dirty="0"/>
+              <a:rPr lang="de-DE" dirty="0">
+                <a:solidFill>
+                  <a:srgbClr val="747982"/>
+                </a:solidFill>
+                <a:latin typeface="Avenir Book"/>
+                <a:cs typeface="Avenir Book"/>
+              </a:rPr>
               <a:t>wenn ich Ideen habe, gibt es </a:t>
             </a:r>
             <a:r>
-              <a:rPr lang="de-DE" dirty="0" err="1"/>
-              <a:t>of</a:t>
-            </a:r>
-            <a:r>
-              <a:rPr lang="de-DE" dirty="0"/>
-              <a:t> Situationen, in denen diese Ideen keinen Raum finden. Zum Beispiel, wenn sie in einem hierarchischen Arbeitsumfeld an meinen Vorgesetzten scheitern</a:t>
-            </a:r>
-            <a:r>
-              <a:rPr lang="de-DE" dirty="0" smtClean="0"/>
+              <a:rPr lang="de-DE" dirty="0">
+                <a:solidFill>
+                  <a:srgbClr val="747982"/>
+                </a:solidFill>
+                <a:latin typeface="Avenir Book"/>
+                <a:cs typeface="Avenir Book"/>
+              </a:rPr>
+              <a:t>oft </a:t>
+            </a:r>
+            <a:r>
+              <a:rPr lang="de-DE" dirty="0">
+                <a:solidFill>
+                  <a:srgbClr val="747982"/>
+                </a:solidFill>
+                <a:latin typeface="Avenir Book"/>
+                <a:cs typeface="Avenir Book"/>
+              </a:rPr>
+              <a:t>Situationen, in denen diese Ideen keinen Raum finden. Zum Beispiel, wenn sie in einem hierarchischen Arbeitsumfeld an meinen Vorgesetzten scheitern</a:t>
+            </a:r>
+            <a:r>
+              <a:rPr lang="de-DE" dirty="0">
+                <a:solidFill>
+                  <a:srgbClr val="747982"/>
+                </a:solidFill>
+                <a:latin typeface="Avenir Book"/>
+                <a:cs typeface="Avenir Book"/>
+              </a:rPr>
               <a:t>.</a:t>
             </a:r>
           </a:p>
           <a:p>
             <a:pPr>
+              <a:lnSpc>
+                <a:spcPct val="110000"/>
+              </a:lnSpc>
               <a:spcBef>
                 <a:spcPts val="600"/>
               </a:spcBef>
             </a:pPr>
             <a:r>
-              <a:rPr lang="de-DE" dirty="0" smtClean="0"/>
+              <a:rPr lang="de-DE" dirty="0">
+                <a:solidFill>
+                  <a:srgbClr val="747982"/>
+                </a:solidFill>
+                <a:latin typeface="Avenir Book"/>
+                <a:cs typeface="Avenir Book"/>
+              </a:rPr>
               <a:t>Zurück </a:t>
             </a:r>
             <a:r>
-              <a:rPr lang="de-DE" dirty="0"/>
+              <a:rPr lang="de-DE" dirty="0">
+                <a:solidFill>
+                  <a:srgbClr val="747982"/>
+                </a:solidFill>
+                <a:latin typeface="Avenir Book"/>
+                <a:cs typeface="Avenir Book"/>
+              </a:rPr>
               <a:t>bleibt das schale Gefühl, keine guten Ideen zu haben und/oder dafür keine Wertschätzung zu erfahren, teilweise nicht einmal von sich </a:t>
             </a:r>
             <a:r>
-              <a:rPr lang="de-DE" dirty="0" smtClean="0"/>
+              <a:rPr lang="de-DE" dirty="0">
+                <a:solidFill>
+                  <a:srgbClr val="747982"/>
+                </a:solidFill>
+                <a:latin typeface="Avenir Book"/>
+                <a:cs typeface="Avenir Book"/>
+              </a:rPr>
               <a:t>selbst.</a:t>
             </a:r>
           </a:p>
           <a:p>
             <a:pPr>
+              <a:lnSpc>
+                <a:spcPct val="110000"/>
+              </a:lnSpc>
               <a:spcBef>
                 <a:spcPts val="600"/>
               </a:spcBef>
             </a:pPr>
             <a:r>
-              <a:rPr lang="de-DE" dirty="0" smtClean="0"/>
+              <a:rPr lang="de-DE" dirty="0">
+                <a:solidFill>
+                  <a:srgbClr val="747982"/>
+                </a:solidFill>
+                <a:latin typeface="Avenir Book"/>
+                <a:cs typeface="Avenir Book"/>
+              </a:rPr>
               <a:t>Ideen </a:t>
             </a:r>
             <a:r>
-              <a:rPr lang="de-DE" dirty="0"/>
+              <a:rPr lang="de-DE" dirty="0">
+                <a:solidFill>
+                  <a:srgbClr val="747982"/>
+                </a:solidFill>
+                <a:latin typeface="Avenir Book"/>
+                <a:cs typeface="Avenir Book"/>
+              </a:rPr>
               <a:t>sind eine Quelle, die jeder Mensch zur Verfügung hat und die man freilegen kann, wenn man sich seiner eigenen Ideen bewusst wird und beginnt, dafür eine Wertschätzung aufzubauen</a:t>
             </a:r>
             <a:r>
-              <a:rPr lang="de-DE" dirty="0" smtClean="0"/>
+              <a:rPr lang="de-DE" dirty="0">
+                <a:solidFill>
+                  <a:srgbClr val="747982"/>
+                </a:solidFill>
+                <a:latin typeface="Avenir Book"/>
+                <a:cs typeface="Avenir Book"/>
+              </a:rPr>
               <a:t>.</a:t>
             </a:r>
           </a:p>
           <a:p>
             <a:pPr>
+              <a:lnSpc>
+                <a:spcPct val="110000"/>
+              </a:lnSpc>
               <a:spcBef>
                 <a:spcPts val="600"/>
               </a:spcBef>
             </a:pPr>
             <a:r>
-              <a:rPr lang="de-DE" dirty="0" smtClean="0"/>
+              <a:rPr lang="de-DE" dirty="0">
+                <a:solidFill>
+                  <a:srgbClr val="747982"/>
+                </a:solidFill>
+                <a:latin typeface="Avenir Book"/>
+                <a:cs typeface="Avenir Book"/>
+              </a:rPr>
               <a:t>Dazu </a:t>
             </a:r>
             <a:r>
-              <a:rPr lang="de-DE" dirty="0"/>
+              <a:rPr lang="de-DE" dirty="0">
+                <a:solidFill>
+                  <a:srgbClr val="747982"/>
+                </a:solidFill>
+                <a:latin typeface="Avenir Book"/>
+                <a:cs typeface="Avenir Book"/>
+              </a:rPr>
               <a:t>ist es notwendig, den eigenen Ideenfluss in Gang zu bringen und zunächst eine Zeit lang einfach alle Ideen unzensiert aufzuschreiben, die einem in den Sinn kommen - egal wie groß, klein, vielversprechend, unbedeutend, realisierbar oder unsinnig sie sein mögen</a:t>
             </a:r>
             <a:r>
-              <a:rPr lang="de-DE" dirty="0" smtClean="0"/>
+              <a:rPr lang="de-DE" dirty="0">
+                <a:solidFill>
+                  <a:srgbClr val="747982"/>
+                </a:solidFill>
+                <a:latin typeface="Avenir Book"/>
+                <a:cs typeface="Avenir Book"/>
+              </a:rPr>
               <a:t>.</a:t>
             </a:r>
           </a:p>
           <a:p>
             <a:pPr>
+              <a:lnSpc>
+                <a:spcPct val="110000"/>
+              </a:lnSpc>
               <a:spcBef>
                 <a:spcPts val="600"/>
               </a:spcBef>
             </a:pPr>
             <a:r>
-              <a:rPr lang="de-DE" dirty="0" smtClean="0"/>
+              <a:rPr lang="de-DE" dirty="0">
+                <a:solidFill>
+                  <a:srgbClr val="747982"/>
+                </a:solidFill>
+                <a:latin typeface="Avenir Book"/>
+                <a:cs typeface="Avenir Book"/>
+              </a:rPr>
               <a:t>Damit </a:t>
             </a:r>
             <a:r>
-              <a:rPr lang="de-DE" dirty="0"/>
+              <a:rPr lang="de-DE" dirty="0">
+                <a:solidFill>
+                  <a:srgbClr val="747982"/>
+                </a:solidFill>
+                <a:latin typeface="Avenir Book"/>
+                <a:cs typeface="Avenir Book"/>
+              </a:rPr>
               <a:t>Du einen Überblick über Deine Ideen hast, solltest Du alle Ideen - egal wie und wo Du sie gesammelt hast - an einer zentralen Stelle </a:t>
             </a:r>
             <a:r>
-              <a:rPr lang="de-DE" dirty="0" smtClean="0"/>
+              <a:rPr lang="de-DE" dirty="0">
+                <a:solidFill>
+                  <a:srgbClr val="747982"/>
+                </a:solidFill>
+                <a:latin typeface="Avenir Book"/>
+                <a:cs typeface="Avenir Book"/>
+              </a:rPr>
               <a:t>zusammenführen.</a:t>
             </a:r>
           </a:p>
           <a:p>
             <a:pPr>
+              <a:lnSpc>
+                <a:spcPct val="110000"/>
+              </a:lnSpc>
               <a:spcBef>
                 <a:spcPts val="600"/>
               </a:spcBef>
             </a:pPr>
             <a:r>
-              <a:rPr lang="de-DE" dirty="0" smtClean="0"/>
+              <a:rPr lang="de-DE" dirty="0">
+                <a:solidFill>
+                  <a:srgbClr val="747982"/>
+                </a:solidFill>
+                <a:latin typeface="Avenir Book"/>
+                <a:cs typeface="Avenir Book"/>
+              </a:rPr>
               <a:t>Das </a:t>
             </a:r>
             <a:r>
-              <a:rPr lang="de-DE" dirty="0"/>
+              <a:rPr lang="de-DE" dirty="0">
+                <a:solidFill>
+                  <a:srgbClr val="747982"/>
+                </a:solidFill>
+                <a:latin typeface="Avenir Book"/>
+                <a:cs typeface="Avenir Book"/>
+              </a:rPr>
               <a:t>kann eine Wand mit Post-</a:t>
             </a:r>
             <a:r>
-              <a:rPr lang="de-DE" dirty="0" err="1"/>
+              <a:rPr lang="de-DE" dirty="0" err="1">
+                <a:solidFill>
+                  <a:srgbClr val="747982"/>
+                </a:solidFill>
+                <a:latin typeface="Avenir Book"/>
+                <a:cs typeface="Avenir Book"/>
+              </a:rPr>
               <a:t>Its</a:t>
             </a:r>
             <a:r>
-              <a:rPr lang="de-DE" dirty="0"/>
+              <a:rPr lang="de-DE" dirty="0">
+                <a:solidFill>
+                  <a:srgbClr val="747982"/>
+                </a:solidFill>
+                <a:latin typeface="Avenir Book"/>
+                <a:cs typeface="Avenir Book"/>
+              </a:rPr>
               <a:t> oder ein Dokument (z.B</a:t>
             </a:r>
             <a:r>
-              <a:rPr lang="de-DE" dirty="0" smtClean="0"/>
+              <a:rPr lang="de-DE" dirty="0">
+                <a:solidFill>
+                  <a:srgbClr val="747982"/>
+                </a:solidFill>
+                <a:latin typeface="Avenir Book"/>
+                <a:cs typeface="Avenir Book"/>
+              </a:rPr>
               <a:t>. ein </a:t>
             </a:r>
             <a:r>
-              <a:rPr lang="de-DE" dirty="0"/>
+              <a:rPr lang="de-DE" dirty="0">
+                <a:solidFill>
+                  <a:srgbClr val="747982"/>
+                </a:solidFill>
+                <a:latin typeface="Avenir Book"/>
+                <a:cs typeface="Avenir Book"/>
+              </a:rPr>
               <a:t>Ideenbuch) sein. Analoge Medien sind in diesem Fall besser als digitale, weil die Ideen dadurch einen physischen Platz in deiner Welt bekommen.</a:t>
             </a:r>
-            <a:endParaRPr lang="de-DE" dirty="0"/>
           </a:p>
         </p:txBody>
       </p:sp>
@@ -2113,7 +2310,56 @@
                 <a:latin typeface="Avenir Book"/>
                 <a:cs typeface="Avenir Book"/>
               </a:rPr>
-              <a:t>Es geht nicht darum, die Ideen zu bewerten, sondern nur, die anderen dabei mitzunehmen und Dich gegebenenfalls von ihren Fragen oder Perspektiven inspirieren zu lassen.</a:t>
+              <a:t>Es geht nicht darum, die Ideen zu bewerten, sondern nur, die anderen dabei </a:t>
+            </a:r>
+            <a:r>
+              <a:rPr lang="de-DE">
+                <a:solidFill>
+                  <a:srgbClr val="747982"/>
+                </a:solidFill>
+                <a:latin typeface="Avenir Book"/>
+                <a:cs typeface="Avenir Book"/>
+              </a:rPr>
+              <a:t>mitzunehmen </a:t>
+            </a:r>
+            <a:r>
+              <a:rPr lang="de-DE" smtClean="0">
+                <a:solidFill>
+                  <a:srgbClr val="747982"/>
+                </a:solidFill>
+                <a:latin typeface="Avenir Book"/>
+                <a:cs typeface="Avenir Book"/>
+              </a:rPr>
+              <a:t/>
+            </a:r>
+            <a:br>
+              <a:rPr lang="de-DE" smtClean="0">
+                <a:solidFill>
+                  <a:srgbClr val="747982"/>
+                </a:solidFill>
+                <a:latin typeface="Avenir Book"/>
+                <a:cs typeface="Avenir Book"/>
+              </a:rPr>
+            </a:br>
+            <a:r>
+              <a:rPr lang="de-DE" smtClean="0">
+                <a:solidFill>
+                  <a:srgbClr val="747982"/>
+                </a:solidFill>
+                <a:latin typeface="Avenir Book"/>
+                <a:cs typeface="Avenir Book"/>
+              </a:rPr>
+              <a:t>und </a:t>
+            </a:r>
+            <a:r>
+              <a:rPr lang="de-DE" dirty="0">
+                <a:solidFill>
+                  <a:srgbClr val="747982"/>
+                </a:solidFill>
+                <a:latin typeface="Avenir Book"/>
+                <a:cs typeface="Avenir Book"/>
+              </a:rPr>
+              <a:t>Dich gegebenenfalls von ihren Fragen oder Perspektiven inspirieren zu lassen.</a:t>
             </a:r>
           </a:p>
           <a:p>
